--- a/Slides/Lecture 2-3.pptx
+++ b/Slides/Lecture 2-3.pptx
@@ -220,7 +220,7 @@
             <a:fld id="{A6781D3C-003D-4837-A496-9A32CDA8003A}" type="datetimeFigureOut">
               <a:rPr lang="en-US" smtClean="0"/>
               <a:pPr/>
-              <a:t>1/14/2019</a:t>
+              <a:t>3/18/19</a:t>
             </a:fld>
             <a:endParaRPr lang="en-US"/>
           </a:p>
@@ -284,38 +284,37 @@
           <a:p>
             <a:pPr lvl="0"/>
             <a:r>
-              <a:rPr lang="en-US" smtClean="0"/>
+              <a:rPr lang="en-US"/>
               <a:t>Click to edit Master text styles</a:t>
             </a:r>
           </a:p>
           <a:p>
             <a:pPr lvl="1"/>
             <a:r>
-              <a:rPr lang="en-US" smtClean="0"/>
+              <a:rPr lang="en-US"/>
               <a:t>Second level</a:t>
             </a:r>
           </a:p>
           <a:p>
             <a:pPr lvl="2"/>
             <a:r>
-              <a:rPr lang="en-US" smtClean="0"/>
+              <a:rPr lang="en-US"/>
               <a:t>Third level</a:t>
             </a:r>
           </a:p>
           <a:p>
             <a:pPr lvl="3"/>
             <a:r>
-              <a:rPr lang="en-US" smtClean="0"/>
+              <a:rPr lang="en-US"/>
               <a:t>Fourth level</a:t>
             </a:r>
           </a:p>
           <a:p>
             <a:pPr lvl="4"/>
             <a:r>
-              <a:rPr lang="en-US" smtClean="0"/>
+              <a:rPr lang="en-US"/>
               <a:t>Fifth level</a:t>
             </a:r>
-            <a:endParaRPr lang="en-US"/>
           </a:p>
         </p:txBody>
       </p:sp>
@@ -669,7 +668,7 @@
               </a:pPr>
               <a:t>3</a:t>
             </a:fld>
-            <a:endParaRPr lang="en-US" altLang="en-US" smtClean="0"/>
+            <a:endParaRPr lang="en-US" altLang="en-US"/>
           </a:p>
         </p:txBody>
       </p:sp>
@@ -733,7 +732,27 @@
           <a:lstStyle/>
           <a:p>
             <a:pPr eaLnBrk="1" hangingPunct="1"/>
-            <a:endParaRPr lang="en-US" altLang="en-US" smtClean="0"/>
+            <a:r>
+              <a:rPr lang="zh-CN" altLang="en-US" dirty="0"/>
+              <a:t>成分，部分。</a:t>
+            </a:r>
+            <a:endParaRPr lang="en-US" altLang="zh-CN" dirty="0"/>
+          </a:p>
+          <a:p>
+            <a:pPr eaLnBrk="1" hangingPunct="1"/>
+            <a:endParaRPr lang="en-US" altLang="zh-CN" dirty="0"/>
+          </a:p>
+          <a:p>
+            <a:pPr eaLnBrk="1" hangingPunct="1"/>
+            <a:r>
+              <a:rPr lang="zh-CN" altLang="en-US" dirty="0"/>
+              <a:t>搭配，词组。</a:t>
+            </a:r>
+            <a:endParaRPr lang="en-US" altLang="zh-CN" dirty="0"/>
+          </a:p>
+          <a:p>
+            <a:pPr eaLnBrk="1" hangingPunct="1"/>
+            <a:endParaRPr lang="en-US" altLang="en-US" dirty="0"/>
           </a:p>
         </p:txBody>
       </p:sp>
@@ -795,10 +814,9 @@
           <a:lstStyle/>
           <a:p>
             <a:r>
-              <a:rPr lang="en-US" dirty="0" smtClean="0"/>
+              <a:rPr lang="en-US" dirty="0"/>
               <a:t>REPLACE THIS FIGURE!</a:t>
             </a:r>
-            <a:endParaRPr lang="en-US" dirty="0"/>
           </a:p>
         </p:txBody>
       </p:sp>
@@ -1018,7 +1036,7 @@
               </a:pPr>
               <a:t>9</a:t>
             </a:fld>
-            <a:endParaRPr lang="en-US" altLang="en-US" smtClean="0"/>
+            <a:endParaRPr lang="en-US" altLang="en-US"/>
           </a:p>
         </p:txBody>
       </p:sp>
@@ -1082,7 +1100,7 @@
           <a:lstStyle/>
           <a:p>
             <a:pPr eaLnBrk="1" hangingPunct="1"/>
-            <a:endParaRPr lang="en-US" altLang="en-US" smtClean="0"/>
+            <a:endParaRPr lang="en-US" altLang="en-US"/>
           </a:p>
         </p:txBody>
       </p:sp>
@@ -1164,10 +1182,9 @@
           </a:lstStyle>
           <a:p>
             <a:r>
-              <a:rPr lang="en-US" dirty="0" smtClean="0"/>
+              <a:rPr lang="en-US" dirty="0"/>
               <a:t>Click to edit Master title style</a:t>
             </a:r>
-            <a:endParaRPr lang="en-US" dirty="0"/>
           </a:p>
         </p:txBody>
       </p:sp>
@@ -1292,10 +1309,9 @@
           </a:lstStyle>
           <a:p>
             <a:r>
-              <a:rPr lang="en-US" dirty="0" smtClean="0"/>
+              <a:rPr lang="en-US" dirty="0"/>
               <a:t>Click to edit Master subtitle style</a:t>
             </a:r>
-            <a:endParaRPr lang="en-US" dirty="0"/>
           </a:p>
         </p:txBody>
       </p:sp>
@@ -1350,10 +1366,9 @@
           <a:lstStyle/>
           <a:p>
             <a:r>
-              <a:rPr lang="en-US" smtClean="0"/>
+              <a:rPr lang="en-US"/>
               <a:t>Click to edit Master title style</a:t>
             </a:r>
-            <a:endParaRPr lang="en-US"/>
           </a:p>
         </p:txBody>
       </p:sp>
@@ -1415,10 +1430,9 @@
           </a:lstStyle>
           <a:p>
             <a:r>
-              <a:rPr lang="en-US" smtClean="0"/>
+              <a:rPr lang="en-US"/>
               <a:t>Click to edit Master subtitle style</a:t>
             </a:r>
-            <a:endParaRPr lang="en-US"/>
           </a:p>
         </p:txBody>
       </p:sp>
@@ -1524,13 +1538,6 @@
   <p:clrMapOvr>
     <a:masterClrMapping/>
   </p:clrMapOvr>
-  <p:timing>
-    <p:tnLst>
-      <p:par>
-        <p:cTn id="1" dur="indefinite" restart="never" nodeType="tmRoot"/>
-      </p:par>
-    </p:tnLst>
-  </p:timing>
 </p:sldLayout>
 </file>
 
@@ -1574,10 +1581,9 @@
           </a:lstStyle>
           <a:p>
             <a:r>
-              <a:rPr lang="en-US" dirty="0" smtClean="0"/>
+              <a:rPr lang="en-US" dirty="0"/>
               <a:t>Click to edit Master title style</a:t>
             </a:r>
-            <a:endParaRPr lang="en-US" dirty="0"/>
           </a:p>
         </p:txBody>
       </p:sp>
@@ -1629,38 +1635,37 @@
           <a:p>
             <a:pPr lvl="0"/>
             <a:r>
-              <a:rPr lang="en-US" dirty="0" smtClean="0"/>
+              <a:rPr lang="en-US" dirty="0"/>
               <a:t>Click to edit Master text styles</a:t>
             </a:r>
           </a:p>
           <a:p>
             <a:pPr lvl="1"/>
             <a:r>
-              <a:rPr lang="en-US" dirty="0" smtClean="0"/>
+              <a:rPr lang="en-US" dirty="0"/>
               <a:t>Second level</a:t>
             </a:r>
           </a:p>
           <a:p>
             <a:pPr lvl="2"/>
             <a:r>
-              <a:rPr lang="en-US" dirty="0" smtClean="0"/>
+              <a:rPr lang="en-US" dirty="0"/>
               <a:t>Third level</a:t>
             </a:r>
           </a:p>
           <a:p>
             <a:pPr lvl="3"/>
             <a:r>
-              <a:rPr lang="en-US" dirty="0" smtClean="0"/>
+              <a:rPr lang="en-US" dirty="0"/>
               <a:t>Fourth level</a:t>
             </a:r>
           </a:p>
           <a:p>
             <a:pPr lvl="4"/>
             <a:r>
-              <a:rPr lang="en-US" dirty="0" smtClean="0"/>
+              <a:rPr lang="en-US" dirty="0"/>
               <a:t>Fifth level</a:t>
             </a:r>
-            <a:endParaRPr lang="en-US" dirty="0"/>
           </a:p>
         </p:txBody>
       </p:sp>
@@ -1933,13 +1938,6 @@
   <p:clrMapOvr>
     <a:masterClrMapping/>
   </p:clrMapOvr>
-  <p:timing>
-    <p:tnLst>
-      <p:par>
-        <p:cTn id="1" dur="indefinite" restart="never" nodeType="tmRoot"/>
-      </p:par>
-    </p:tnLst>
-  </p:timing>
 </p:sldLayout>
 </file>
 
@@ -2001,10 +1999,9 @@
           </a:lstStyle>
           <a:p>
             <a:r>
-              <a:rPr lang="en-US" dirty="0" smtClean="0"/>
+              <a:rPr lang="en-US" dirty="0"/>
               <a:t>Click to edit Master title style</a:t>
             </a:r>
-            <a:endParaRPr lang="en-US" dirty="0"/>
           </a:p>
         </p:txBody>
       </p:sp>
@@ -2030,35 +2027,35 @@
           <a:p>
             <a:pPr lvl="0"/>
             <a:r>
-              <a:rPr lang="en-US" smtClean="0"/>
+              <a:rPr lang="en-US"/>
               <a:t>Click to edit Master text styles</a:t>
             </a:r>
           </a:p>
           <a:p>
             <a:pPr lvl="1"/>
             <a:r>
-              <a:rPr lang="en-US" smtClean="0"/>
+              <a:rPr lang="en-US"/>
               <a:t>Second level</a:t>
             </a:r>
           </a:p>
           <a:p>
             <a:pPr lvl="2"/>
             <a:r>
-              <a:rPr lang="en-US" smtClean="0"/>
+              <a:rPr lang="en-US"/>
               <a:t>Third level</a:t>
             </a:r>
           </a:p>
           <a:p>
             <a:pPr lvl="3"/>
             <a:r>
-              <a:rPr lang="en-US" smtClean="0"/>
+              <a:rPr lang="en-US"/>
               <a:t>Fourth level</a:t>
             </a:r>
           </a:p>
           <a:p>
             <a:pPr lvl="4"/>
             <a:r>
-              <a:rPr lang="en-US" smtClean="0"/>
+              <a:rPr lang="en-US"/>
               <a:t>Fifth level</a:t>
             </a:r>
             <a:endParaRPr lang="en-US" dirty="0"/>
@@ -2127,7 +2124,7 @@
           </a:lstStyle>
           <a:p>
             <a:r>
-              <a:rPr lang="en-US" smtClean="0"/>
+              <a:rPr lang="en-US"/>
               <a:t>Click to edit Master title style</a:t>
             </a:r>
             <a:endParaRPr lang="en-US" dirty="0"/>
@@ -2247,7 +2244,7 @@
           <a:p>
             <a:pPr lvl="0"/>
             <a:r>
-              <a:rPr lang="en-US" smtClean="0"/>
+              <a:rPr lang="en-US"/>
               <a:t>Click to edit Master text styles</a:t>
             </a:r>
           </a:p>
@@ -2317,7 +2314,7 @@
           </a:lstStyle>
           <a:p>
             <a:r>
-              <a:rPr lang="en-US" smtClean="0"/>
+              <a:rPr lang="en-US"/>
               <a:t>Click to edit Master title style</a:t>
             </a:r>
             <a:endParaRPr lang="en-US" dirty="0"/>
@@ -2392,35 +2389,35 @@
           <a:p>
             <a:pPr lvl="0"/>
             <a:r>
-              <a:rPr lang="en-US" smtClean="0"/>
+              <a:rPr lang="en-US"/>
               <a:t>Click to edit Master text styles</a:t>
             </a:r>
           </a:p>
           <a:p>
             <a:pPr lvl="1"/>
             <a:r>
-              <a:rPr lang="en-US" smtClean="0"/>
+              <a:rPr lang="en-US"/>
               <a:t>Second level</a:t>
             </a:r>
           </a:p>
           <a:p>
             <a:pPr lvl="2"/>
             <a:r>
-              <a:rPr lang="en-US" smtClean="0"/>
+              <a:rPr lang="en-US"/>
               <a:t>Third level</a:t>
             </a:r>
           </a:p>
           <a:p>
             <a:pPr lvl="3"/>
             <a:r>
-              <a:rPr lang="en-US" smtClean="0"/>
+              <a:rPr lang="en-US"/>
               <a:t>Fourth level</a:t>
             </a:r>
           </a:p>
           <a:p>
             <a:pPr lvl="4"/>
             <a:r>
-              <a:rPr lang="en-US" smtClean="0"/>
+              <a:rPr lang="en-US"/>
               <a:t>Fifth level</a:t>
             </a:r>
             <a:endParaRPr lang="en-US" dirty="0"/>
@@ -2495,35 +2492,35 @@
           <a:p>
             <a:pPr lvl="0"/>
             <a:r>
-              <a:rPr lang="en-US" smtClean="0"/>
+              <a:rPr lang="en-US"/>
               <a:t>Click to edit Master text styles</a:t>
             </a:r>
           </a:p>
           <a:p>
             <a:pPr lvl="1"/>
             <a:r>
-              <a:rPr lang="en-US" smtClean="0"/>
+              <a:rPr lang="en-US"/>
               <a:t>Second level</a:t>
             </a:r>
           </a:p>
           <a:p>
             <a:pPr lvl="2"/>
             <a:r>
-              <a:rPr lang="en-US" smtClean="0"/>
+              <a:rPr lang="en-US"/>
               <a:t>Third level</a:t>
             </a:r>
           </a:p>
           <a:p>
             <a:pPr lvl="3"/>
             <a:r>
-              <a:rPr lang="en-US" smtClean="0"/>
+              <a:rPr lang="en-US"/>
               <a:t>Fourth level</a:t>
             </a:r>
           </a:p>
           <a:p>
             <a:pPr lvl="4"/>
             <a:r>
-              <a:rPr lang="en-US" smtClean="0"/>
+              <a:rPr lang="en-US"/>
               <a:t>Fifth level</a:t>
             </a:r>
             <a:endParaRPr lang="en-US" dirty="0"/>
@@ -2594,7 +2591,7 @@
           </a:lstStyle>
           <a:p>
             <a:r>
-              <a:rPr lang="en-US" smtClean="0"/>
+              <a:rPr lang="en-US"/>
               <a:t>Click to edit Master title style</a:t>
             </a:r>
             <a:endParaRPr lang="en-US" dirty="0"/>
@@ -2669,7 +2666,7 @@
           <a:p>
             <a:pPr lvl="0"/>
             <a:r>
-              <a:rPr lang="en-US" smtClean="0"/>
+              <a:rPr lang="en-US"/>
               <a:t>Click to edit Master text styles</a:t>
             </a:r>
           </a:p>
@@ -2740,35 +2737,35 @@
           <a:p>
             <a:pPr lvl="0"/>
             <a:r>
-              <a:rPr lang="en-US" smtClean="0"/>
+              <a:rPr lang="en-US"/>
               <a:t>Click to edit Master text styles</a:t>
             </a:r>
           </a:p>
           <a:p>
             <a:pPr lvl="1"/>
             <a:r>
-              <a:rPr lang="en-US" smtClean="0"/>
+              <a:rPr lang="en-US"/>
               <a:t>Second level</a:t>
             </a:r>
           </a:p>
           <a:p>
             <a:pPr lvl="2"/>
             <a:r>
-              <a:rPr lang="en-US" smtClean="0"/>
+              <a:rPr lang="en-US"/>
               <a:t>Third level</a:t>
             </a:r>
           </a:p>
           <a:p>
             <a:pPr lvl="3"/>
             <a:r>
-              <a:rPr lang="en-US" smtClean="0"/>
+              <a:rPr lang="en-US"/>
               <a:t>Fourth level</a:t>
             </a:r>
           </a:p>
           <a:p>
             <a:pPr lvl="4"/>
             <a:r>
-              <a:rPr lang="en-US" smtClean="0"/>
+              <a:rPr lang="en-US"/>
               <a:t>Fifth level</a:t>
             </a:r>
             <a:endParaRPr lang="en-US" dirty="0"/>
@@ -2843,7 +2840,7 @@
           <a:p>
             <a:pPr lvl="0"/>
             <a:r>
-              <a:rPr lang="en-US" smtClean="0"/>
+              <a:rPr lang="en-US"/>
               <a:t>Click to edit Master text styles</a:t>
             </a:r>
           </a:p>
@@ -2914,35 +2911,35 @@
           <a:p>
             <a:pPr lvl="0"/>
             <a:r>
-              <a:rPr lang="en-US" smtClean="0"/>
+              <a:rPr lang="en-US"/>
               <a:t>Click to edit Master text styles</a:t>
             </a:r>
           </a:p>
           <a:p>
             <a:pPr lvl="1"/>
             <a:r>
-              <a:rPr lang="en-US" smtClean="0"/>
+              <a:rPr lang="en-US"/>
               <a:t>Second level</a:t>
             </a:r>
           </a:p>
           <a:p>
             <a:pPr lvl="2"/>
             <a:r>
-              <a:rPr lang="en-US" smtClean="0"/>
+              <a:rPr lang="en-US"/>
               <a:t>Third level</a:t>
             </a:r>
           </a:p>
           <a:p>
             <a:pPr lvl="3"/>
             <a:r>
-              <a:rPr lang="en-US" smtClean="0"/>
+              <a:rPr lang="en-US"/>
               <a:t>Fourth level</a:t>
             </a:r>
           </a:p>
           <a:p>
             <a:pPr lvl="4"/>
             <a:r>
-              <a:rPr lang="en-US" smtClean="0"/>
+              <a:rPr lang="en-US"/>
               <a:t>Fifth level</a:t>
             </a:r>
             <a:endParaRPr lang="en-US" dirty="0"/>
@@ -3013,7 +3010,7 @@
           </a:lstStyle>
           <a:p>
             <a:r>
-              <a:rPr lang="en-US" smtClean="0"/>
+              <a:rPr lang="en-US"/>
               <a:t>Click to edit Master title style</a:t>
             </a:r>
             <a:endParaRPr lang="en-US" dirty="0"/>
@@ -3114,7 +3111,7 @@
           </a:lstStyle>
           <a:p>
             <a:r>
-              <a:rPr lang="en-US" smtClean="0"/>
+              <a:rPr lang="en-US"/>
               <a:t>Click to edit Master title style</a:t>
             </a:r>
             <a:endParaRPr lang="en-US" dirty="0"/>
@@ -3189,35 +3186,35 @@
           <a:p>
             <a:pPr lvl="0"/>
             <a:r>
-              <a:rPr lang="en-US" smtClean="0"/>
+              <a:rPr lang="en-US"/>
               <a:t>Click to edit Master text styles</a:t>
             </a:r>
           </a:p>
           <a:p>
             <a:pPr lvl="1"/>
             <a:r>
-              <a:rPr lang="en-US" smtClean="0"/>
+              <a:rPr lang="en-US"/>
               <a:t>Second level</a:t>
             </a:r>
           </a:p>
           <a:p>
             <a:pPr lvl="2"/>
             <a:r>
-              <a:rPr lang="en-US" smtClean="0"/>
+              <a:rPr lang="en-US"/>
               <a:t>Third level</a:t>
             </a:r>
           </a:p>
           <a:p>
             <a:pPr lvl="3"/>
             <a:r>
-              <a:rPr lang="en-US" smtClean="0"/>
+              <a:rPr lang="en-US"/>
               <a:t>Fourth level</a:t>
             </a:r>
           </a:p>
           <a:p>
             <a:pPr lvl="4"/>
             <a:r>
-              <a:rPr lang="en-US" smtClean="0"/>
+              <a:rPr lang="en-US"/>
               <a:t>Fifth level</a:t>
             </a:r>
             <a:endParaRPr lang="en-US" dirty="0"/>
@@ -3289,7 +3286,7 @@
           <a:p>
             <a:pPr lvl="0"/>
             <a:r>
-              <a:rPr lang="en-US" smtClean="0"/>
+              <a:rPr lang="en-US"/>
               <a:t>Click to edit Master text styles</a:t>
             </a:r>
           </a:p>
@@ -3359,7 +3356,7 @@
           </a:lstStyle>
           <a:p>
             <a:r>
-              <a:rPr lang="en-US" smtClean="0"/>
+              <a:rPr lang="en-US"/>
               <a:t>Click to edit Master title style</a:t>
             </a:r>
             <a:endParaRPr lang="en-US" dirty="0"/>
@@ -3424,10 +3421,9 @@
           </a:lstStyle>
           <a:p>
             <a:r>
-              <a:rPr lang="en-US" smtClean="0"/>
+              <a:rPr lang="en-US"/>
               <a:t>Click icon to add picture</a:t>
             </a:r>
-            <a:endParaRPr lang="en-US"/>
           </a:p>
         </p:txBody>
       </p:sp>
@@ -3496,7 +3492,7 @@
           <a:p>
             <a:pPr lvl="0"/>
             <a:r>
-              <a:rPr lang="en-US" smtClean="0"/>
+              <a:rPr lang="en-US"/>
               <a:t>Click to edit Master text styles</a:t>
             </a:r>
           </a:p>
@@ -3567,35 +3563,35 @@
           <a:p>
             <a:pPr lvl="0"/>
             <a:r>
-              <a:rPr lang="en-US" smtClean="0"/>
+              <a:rPr lang="en-US"/>
               <a:t>Click to edit Master text styles</a:t>
             </a:r>
           </a:p>
           <a:p>
             <a:pPr lvl="1"/>
             <a:r>
-              <a:rPr lang="en-US" smtClean="0"/>
+              <a:rPr lang="en-US"/>
               <a:t>Second level</a:t>
             </a:r>
           </a:p>
           <a:p>
             <a:pPr lvl="2"/>
             <a:r>
-              <a:rPr lang="en-US" smtClean="0"/>
+              <a:rPr lang="en-US"/>
               <a:t>Third level</a:t>
             </a:r>
           </a:p>
           <a:p>
             <a:pPr lvl="3"/>
             <a:r>
-              <a:rPr lang="en-US" smtClean="0"/>
+              <a:rPr lang="en-US"/>
               <a:t>Fourth level</a:t>
             </a:r>
           </a:p>
           <a:p>
             <a:pPr lvl="4"/>
             <a:r>
-              <a:rPr lang="en-US" smtClean="0"/>
+              <a:rPr lang="en-US"/>
               <a:t>Fifth level</a:t>
             </a:r>
             <a:endParaRPr lang="en-US" dirty="0"/>
@@ -3621,13 +3617,6 @@
     <p:sldLayoutId id="2147483656" r:id="rId8"/>
     <p:sldLayoutId id="2147483657" r:id="rId9"/>
   </p:sldLayoutIdLst>
-  <p:timing>
-    <p:tnLst>
-      <p:par>
-        <p:cTn id="1" dur="indefinite" restart="never" nodeType="tmRoot"/>
-      </p:par>
-    </p:tnLst>
-  </p:timing>
   <p:txStyles>
     <p:titleStyle>
       <a:lvl1pPr algn="ctr" defTabSz="457200" rtl="0" eaLnBrk="1" latinLnBrk="0" hangingPunct="1">
@@ -4000,7 +3989,7 @@
           <a:p>
             <a:pPr lvl="0"/>
             <a:r>
-              <a:rPr lang="en-US" dirty="0" smtClean="0"/>
+              <a:rPr lang="en-US" dirty="0"/>
               <a:t>Click to edit Master title style</a:t>
             </a:r>
           </a:p>
@@ -4042,35 +4031,35 @@
           <a:p>
             <a:pPr lvl="0"/>
             <a:r>
-              <a:rPr lang="en-US" dirty="0" smtClean="0"/>
+              <a:rPr lang="en-US" dirty="0"/>
               <a:t>Click to edit Master text styles</a:t>
             </a:r>
           </a:p>
           <a:p>
             <a:pPr lvl="1"/>
             <a:r>
-              <a:rPr lang="en-US" dirty="0" smtClean="0"/>
+              <a:rPr lang="en-US" dirty="0"/>
               <a:t>Second level</a:t>
             </a:r>
           </a:p>
           <a:p>
             <a:pPr lvl="2"/>
             <a:r>
-              <a:rPr lang="en-US" dirty="0" smtClean="0"/>
+              <a:rPr lang="en-US" dirty="0"/>
               <a:t>Third level</a:t>
             </a:r>
           </a:p>
           <a:p>
             <a:pPr lvl="3"/>
             <a:r>
-              <a:rPr lang="en-US" dirty="0" smtClean="0"/>
+              <a:rPr lang="en-US" dirty="0"/>
               <a:t>Fourth level</a:t>
             </a:r>
           </a:p>
           <a:p>
             <a:pPr lvl="4"/>
             <a:r>
-              <a:rPr lang="en-US" dirty="0" smtClean="0"/>
+              <a:rPr lang="en-US" dirty="0"/>
               <a:t>Fifth level</a:t>
             </a:r>
           </a:p>
@@ -4732,14 +4721,11 @@
           <a:lstStyle/>
           <a:p>
             <a:r>
-              <a:rPr lang="en-US" sz="18000" dirty="0" smtClean="0">
+              <a:rPr lang="en-US" sz="18000" dirty="0">
                 <a:latin typeface="Rockwell Extra Bold" panose="02060903040505020403" pitchFamily="18" charset="0"/>
               </a:rPr>
               <a:t>NLP</a:t>
             </a:r>
-            <a:endParaRPr lang="en-US" sz="18000" dirty="0">
-              <a:latin typeface="Rockwell Extra Bold" panose="02060903040505020403" pitchFamily="18" charset="0"/>
-            </a:endParaRPr>
           </a:p>
         </p:txBody>
       </p:sp>
@@ -4753,13 +4739,6 @@
   <p:clrMapOvr>
     <a:masterClrMapping/>
   </p:clrMapOvr>
-  <p:timing>
-    <p:tnLst>
-      <p:par>
-        <p:cTn id="1" dur="indefinite" restart="never" nodeType="tmRoot"/>
-      </p:par>
-    </p:tnLst>
-  </p:timing>
 </p:sld>
 </file>
 
@@ -4796,7 +4775,7 @@
           <a:lstStyle/>
           <a:p>
             <a:r>
-              <a:rPr lang="en-US" altLang="en-US" dirty="0" smtClean="0"/>
+              <a:rPr lang="en-US" altLang="en-US" dirty="0"/>
               <a:t>Statistical Techniques</a:t>
             </a:r>
           </a:p>
@@ -4823,24 +4802,24 @@
           <a:lstStyle/>
           <a:p>
             <a:r>
-              <a:rPr lang="en-US" altLang="en-US" dirty="0" smtClean="0"/>
+              <a:rPr lang="en-US" altLang="en-US" dirty="0"/>
               <a:t>Vector space representation for WSD</a:t>
             </a:r>
           </a:p>
           <a:p>
             <a:r>
-              <a:rPr lang="en-US" altLang="en-US" dirty="0" smtClean="0"/>
+              <a:rPr lang="en-US" altLang="en-US" dirty="0"/>
               <a:t>Noisy channel models for MT</a:t>
             </a:r>
           </a:p>
           <a:p>
             <a:r>
-              <a:rPr lang="en-US" altLang="en-US" dirty="0" smtClean="0"/>
+              <a:rPr lang="en-US" altLang="en-US" dirty="0"/>
               <a:t>Random walk methods for sentiment analysis</a:t>
             </a:r>
           </a:p>
           <a:p>
-            <a:endParaRPr lang="en-US" altLang="en-US" dirty="0" smtClean="0"/>
+            <a:endParaRPr lang="en-US" altLang="en-US" dirty="0"/>
           </a:p>
         </p:txBody>
       </p:sp>
@@ -4934,7 +4913,7 @@
             <a:graphicData uri="http://schemas.openxmlformats.org/presentationml/2006/ole">
               <mc:AlternateContent xmlns:mc="http://schemas.openxmlformats.org/markup-compatibility/2006">
                 <mc:Choice xmlns:v="urn:schemas-microsoft-com:vml" Requires="v">
-                  <p:oleObj spid="_x0000_s1074" name="Equation" r:id="rId4" imgW="1294838" imgH="355446" progId="Equation.3">
+                  <p:oleObj spid="_x0000_s1078" name="Equation" r:id="rId4" imgW="1294838" imgH="355446" progId="Equation.3">
                     <p:embed/>
                   </p:oleObj>
                 </mc:Choice>
@@ -5005,7 +4984,7 @@
             <a:graphicData uri="http://schemas.openxmlformats.org/presentationml/2006/ole">
               <mc:AlternateContent xmlns:mc="http://schemas.openxmlformats.org/markup-compatibility/2006">
                 <mc:Choice xmlns:v="urn:schemas-microsoft-com:vml" Requires="v">
-                  <p:oleObj spid="_x0000_s1075" name="Equation" r:id="rId6" imgW="1497950" imgH="710891" progId="Equation.3">
+                  <p:oleObj spid="_x0000_s1079" name="Equation" r:id="rId6" imgW="1497950" imgH="710891" progId="Equation.3">
                     <p:embed/>
                   </p:oleObj>
                 </mc:Choice>
@@ -5883,14 +5862,6 @@
   <p:clrMapOvr>
     <a:masterClrMapping/>
   </p:clrMapOvr>
-  <mc:AlternateContent xmlns:mc="http://schemas.openxmlformats.org/markup-compatibility/2006" xmlns:p14="http://schemas.microsoft.com/office/powerpoint/2010/main">
-    <mc:Choice Requires="p14">
-      <p:transition spd="slow" p14:dur="2000"/>
-    </mc:Choice>
-    <mc:Fallback xmlns="">
-      <p:transition spd="slow"/>
-    </mc:Fallback>
-  </mc:AlternateContent>
   <p:timing>
     <p:tnLst>
       <p:par>
@@ -6247,14 +6218,11 @@
           <a:lstStyle/>
           <a:p>
             <a:r>
-              <a:rPr lang="en-US" sz="18000" dirty="0" smtClean="0">
+              <a:rPr lang="en-US" sz="18000" dirty="0">
                 <a:latin typeface="Rockwell Extra Bold" panose="02060903040505020403" pitchFamily="18" charset="0"/>
               </a:rPr>
               <a:t>NLP</a:t>
             </a:r>
-            <a:endParaRPr lang="en-US" sz="18000" dirty="0">
-              <a:latin typeface="Rockwell Extra Bold" panose="02060903040505020403" pitchFamily="18" charset="0"/>
-            </a:endParaRPr>
           </a:p>
         </p:txBody>
       </p:sp>
@@ -6268,13 +6236,6 @@
   <p:clrMapOvr>
     <a:masterClrMapping/>
   </p:clrMapOvr>
-  <p:timing>
-    <p:tnLst>
-      <p:par>
-        <p:cTn id="1" dur="indefinite" restart="never" nodeType="tmRoot"/>
-      </p:par>
-    </p:tnLst>
-  </p:timing>
 </p:sld>
 </file>
 
@@ -6311,10 +6272,9 @@
           <a:lstStyle/>
           <a:p>
             <a:r>
-              <a:rPr lang="en-US" dirty="0" smtClean="0"/>
+              <a:rPr lang="en-US" dirty="0"/>
               <a:t>Introduction to NLP</a:t>
             </a:r>
-            <a:endParaRPr lang="en-US" dirty="0"/>
           </a:p>
         </p:txBody>
       </p:sp>
@@ -6334,10 +6294,9 @@
           <a:lstStyle/>
           <a:p>
             <a:r>
-              <a:rPr lang="en-US" dirty="0" smtClean="0"/>
+              <a:rPr lang="en-US" dirty="0"/>
               <a:t>Background for NLP</a:t>
             </a:r>
-            <a:endParaRPr lang="en-US" dirty="0"/>
           </a:p>
         </p:txBody>
       </p:sp>
@@ -6351,13 +6310,6 @@
   <p:clrMapOvr>
     <a:masterClrMapping/>
   </p:clrMapOvr>
-  <p:timing>
-    <p:tnLst>
-      <p:par>
-        <p:cTn id="1" dur="indefinite" restart="never" nodeType="tmRoot"/>
-      </p:par>
-    </p:tnLst>
-  </p:timing>
 </p:sld>
 </file>
 
@@ -6395,7 +6347,7 @@
           <a:p>
             <a:pPr eaLnBrk="1" hangingPunct="1"/>
             <a:r>
-              <a:rPr lang="en-US" altLang="en-US" sz="3200" dirty="0" smtClean="0"/>
+              <a:rPr lang="en-US" altLang="en-US" sz="3200" dirty="0"/>
               <a:t>Linguistic Knowledge</a:t>
             </a:r>
           </a:p>
@@ -6429,7 +6381,7 @@
               </a:lnSpc>
             </a:pPr>
             <a:r>
-              <a:rPr lang="en-US" altLang="en-US" sz="2800" dirty="0" smtClean="0"/>
+              <a:rPr lang="en-US" altLang="en-US" sz="2800" dirty="0"/>
               <a:t>Constituents:</a:t>
             </a:r>
           </a:p>
@@ -6440,11 +6392,11 @@
               </a:lnSpc>
             </a:pPr>
             <a:r>
-              <a:rPr lang="en-US" altLang="en-US" sz="1600" u="sng" dirty="0" smtClean="0"/>
+              <a:rPr lang="en-US" altLang="en-US" sz="1600" u="sng" dirty="0"/>
               <a:t>Children</a:t>
             </a:r>
             <a:r>
-              <a:rPr lang="en-US" altLang="en-US" sz="1600" dirty="0" smtClean="0"/>
+              <a:rPr lang="en-US" altLang="en-US" sz="1600" dirty="0"/>
               <a:t> eat pizza.</a:t>
             </a:r>
           </a:p>
@@ -6455,11 +6407,11 @@
               </a:lnSpc>
             </a:pPr>
             <a:r>
-              <a:rPr lang="en-US" altLang="en-US" sz="1600" u="sng" dirty="0" smtClean="0"/>
+              <a:rPr lang="en-US" altLang="en-US" sz="1600" u="sng" dirty="0"/>
               <a:t>They</a:t>
             </a:r>
             <a:r>
-              <a:rPr lang="en-US" altLang="en-US" sz="1600" dirty="0" smtClean="0"/>
+              <a:rPr lang="en-US" altLang="en-US" sz="1600" dirty="0"/>
               <a:t> eat pizza.</a:t>
             </a:r>
           </a:p>
@@ -6470,11 +6422,11 @@
               </a:lnSpc>
             </a:pPr>
             <a:r>
-              <a:rPr lang="en-US" altLang="en-US" sz="1600" u="sng" dirty="0" smtClean="0"/>
+              <a:rPr lang="en-US" altLang="en-US" sz="1600" u="sng" dirty="0"/>
               <a:t>My cousin’s neighbor’s children</a:t>
             </a:r>
             <a:r>
-              <a:rPr lang="en-US" altLang="en-US" sz="1600" dirty="0" smtClean="0"/>
+              <a:rPr lang="en-US" altLang="en-US" sz="1600" dirty="0"/>
               <a:t> eat pizza.</a:t>
             </a:r>
           </a:p>
@@ -6485,7 +6437,7 @@
               </a:lnSpc>
             </a:pPr>
             <a:r>
-              <a:rPr lang="en-US" altLang="en-US" sz="1600" dirty="0" smtClean="0"/>
+              <a:rPr lang="en-US" altLang="en-US" sz="1600" dirty="0"/>
               <a:t>Eat pizza!</a:t>
             </a:r>
           </a:p>
@@ -6496,7 +6448,7 @@
               </a:lnSpc>
             </a:pPr>
             <a:r>
-              <a:rPr lang="en-US" altLang="en-US" sz="2800" dirty="0" smtClean="0"/>
+              <a:rPr lang="en-US" altLang="en-US" sz="2800" dirty="0"/>
               <a:t>Collocations:</a:t>
             </a:r>
           </a:p>
@@ -6507,7 +6459,7 @@
               </a:lnSpc>
             </a:pPr>
             <a:r>
-              <a:rPr lang="en-US" altLang="en-US" sz="1600" dirty="0" smtClean="0"/>
+              <a:rPr lang="en-US" altLang="en-US" sz="1600" dirty="0"/>
               <a:t>Strong beer but *powerful beer</a:t>
             </a:r>
           </a:p>
@@ -6518,7 +6470,7 @@
               </a:lnSpc>
             </a:pPr>
             <a:r>
-              <a:rPr lang="en-US" altLang="en-US" sz="1600" dirty="0" smtClean="0"/>
+              <a:rPr lang="en-US" altLang="en-US" sz="1600" dirty="0"/>
               <a:t>Big sister but *large sister</a:t>
             </a:r>
           </a:p>
@@ -6529,10 +6481,9 @@
               </a:lnSpc>
             </a:pPr>
             <a:r>
-              <a:rPr lang="en-US" altLang="en-US" sz="1600" dirty="0" smtClean="0"/>
+              <a:rPr lang="en-US" altLang="en-US" sz="1600" dirty="0"/>
               <a:t>Stocks rise but ?stocks ascend </a:t>
             </a:r>
-            <a:endParaRPr lang="en-US" altLang="en-US" sz="1600" dirty="0"/>
           </a:p>
           <a:p>
             <a:pPr eaLnBrk="1" hangingPunct="1">
@@ -6541,12 +6492,8 @@
               </a:lnSpc>
             </a:pPr>
             <a:r>
-              <a:rPr lang="en-US" altLang="en-US" sz="2800" dirty="0" smtClean="0"/>
-              <a:t>How </a:t>
-            </a:r>
-            <a:r>
-              <a:rPr lang="en-US" altLang="en-US" sz="2800" dirty="0" smtClean="0"/>
-              <a:t>to get this knowledge in the system:</a:t>
+              <a:rPr lang="en-US" altLang="en-US" sz="2800" dirty="0"/>
+              <a:t>How to get this knowledge in the system:</a:t>
             </a:r>
           </a:p>
           <a:p>
@@ -6556,7 +6503,7 @@
               </a:lnSpc>
             </a:pPr>
             <a:r>
-              <a:rPr lang="en-US" altLang="en-US" sz="1800" dirty="0" smtClean="0"/>
+              <a:rPr lang="en-US" altLang="en-US" sz="1800" dirty="0"/>
               <a:t>Manual rules</a:t>
             </a:r>
           </a:p>
@@ -6567,7 +6514,7 @@
               </a:lnSpc>
             </a:pPr>
             <a:r>
-              <a:rPr lang="en-US" altLang="en-US" sz="1800" dirty="0" smtClean="0"/>
+              <a:rPr lang="en-US" altLang="en-US" sz="1800" dirty="0"/>
               <a:t>Automatically acquired from large text collections (corpora)</a:t>
             </a:r>
           </a:p>
@@ -7241,7 +7188,7 @@
           <a:p>
             <a:pPr eaLnBrk="1" hangingPunct="1"/>
             <a:r>
-              <a:rPr lang="en-US" altLang="en-US" dirty="0" smtClean="0"/>
+              <a:rPr lang="en-US" altLang="en-US" dirty="0"/>
               <a:t>Areas of Linguistics</a:t>
             </a:r>
           </a:p>
@@ -7275,7 +7222,7 @@
               </a:lnSpc>
             </a:pPr>
             <a:r>
-              <a:rPr lang="en-US" altLang="en-US" sz="2900" dirty="0" smtClean="0"/>
+              <a:rPr lang="en-US" altLang="en-US" sz="2900" dirty="0"/>
               <a:t>Phonetics and phonology</a:t>
             </a:r>
           </a:p>
@@ -7286,7 +7233,7 @@
               </a:lnSpc>
             </a:pPr>
             <a:r>
-              <a:rPr lang="en-US" altLang="en-US" sz="2400" dirty="0" smtClean="0"/>
+              <a:rPr lang="en-US" altLang="en-US" sz="2400" dirty="0"/>
               <a:t>the study of sounds</a:t>
             </a:r>
           </a:p>
@@ -7297,7 +7244,7 @@
               </a:lnSpc>
             </a:pPr>
             <a:r>
-              <a:rPr lang="en-US" altLang="en-US" sz="2900" dirty="0" smtClean="0"/>
+              <a:rPr lang="en-US" altLang="en-US" sz="2900" dirty="0"/>
               <a:t>Morphology</a:t>
             </a:r>
           </a:p>
@@ -7308,7 +7255,7 @@
               </a:lnSpc>
             </a:pPr>
             <a:r>
-              <a:rPr lang="en-US" altLang="en-US" sz="2400" dirty="0" smtClean="0"/>
+              <a:rPr lang="en-US" altLang="en-US" sz="2400" dirty="0"/>
               <a:t>the study of word components</a:t>
             </a:r>
           </a:p>
@@ -7319,7 +7266,7 @@
               </a:lnSpc>
             </a:pPr>
             <a:r>
-              <a:rPr lang="en-US" altLang="en-US" sz="2900" dirty="0" smtClean="0"/>
+              <a:rPr lang="en-US" altLang="en-US" sz="2900" dirty="0"/>
               <a:t>Syntax</a:t>
             </a:r>
           </a:p>
@@ -7330,7 +7277,7 @@
               </a:lnSpc>
             </a:pPr>
             <a:r>
-              <a:rPr lang="en-US" altLang="en-US" sz="2400" dirty="0" smtClean="0"/>
+              <a:rPr lang="en-US" altLang="en-US" sz="2400" dirty="0"/>
               <a:t>the study of sentence and phrase structure</a:t>
             </a:r>
           </a:p>
@@ -7341,7 +7288,7 @@
               </a:lnSpc>
             </a:pPr>
             <a:r>
-              <a:rPr lang="en-US" altLang="en-US" sz="2900" dirty="0" smtClean="0"/>
+              <a:rPr lang="en-US" altLang="en-US" sz="2900" dirty="0"/>
               <a:t>Lexical semantics</a:t>
             </a:r>
           </a:p>
@@ -7352,7 +7299,7 @@
               </a:lnSpc>
             </a:pPr>
             <a:r>
-              <a:rPr lang="en-US" altLang="en-US" sz="2400" dirty="0" smtClean="0"/>
+              <a:rPr lang="en-US" altLang="en-US" sz="2400" dirty="0"/>
               <a:t>the study of the meanings of words</a:t>
             </a:r>
           </a:p>
@@ -7363,7 +7310,7 @@
               </a:lnSpc>
             </a:pPr>
             <a:r>
-              <a:rPr lang="en-US" altLang="en-US" sz="2900" dirty="0" smtClean="0"/>
+              <a:rPr lang="en-US" altLang="en-US" sz="2900" dirty="0"/>
               <a:t>Compositional semantics</a:t>
             </a:r>
           </a:p>
@@ -7374,7 +7321,7 @@
               </a:lnSpc>
             </a:pPr>
             <a:r>
-              <a:rPr lang="en-US" altLang="en-US" sz="2400" dirty="0" smtClean="0"/>
+              <a:rPr lang="en-US" altLang="en-US" sz="2400" dirty="0"/>
               <a:t>how to combine words</a:t>
             </a:r>
           </a:p>
@@ -7385,7 +7332,7 @@
               </a:lnSpc>
             </a:pPr>
             <a:r>
-              <a:rPr lang="en-US" altLang="en-US" sz="2900" dirty="0" smtClean="0"/>
+              <a:rPr lang="en-US" altLang="en-US" sz="2900" dirty="0"/>
               <a:t>Pragmatics</a:t>
             </a:r>
           </a:p>
@@ -7396,7 +7343,7 @@
               </a:lnSpc>
             </a:pPr>
             <a:r>
-              <a:rPr lang="en-US" altLang="en-US" sz="2400" dirty="0" smtClean="0"/>
+              <a:rPr lang="en-US" altLang="en-US" sz="2400" dirty="0"/>
               <a:t>how to accomplish goals</a:t>
             </a:r>
           </a:p>
@@ -7407,7 +7354,7 @@
               </a:lnSpc>
             </a:pPr>
             <a:r>
-              <a:rPr lang="en-US" altLang="en-US" sz="2900" dirty="0" smtClean="0"/>
+              <a:rPr lang="en-US" altLang="en-US" sz="2900" dirty="0"/>
               <a:t>Discourse conventions</a:t>
             </a:r>
           </a:p>
@@ -7418,7 +7365,7 @@
               </a:lnSpc>
             </a:pPr>
             <a:r>
-              <a:rPr lang="en-US" altLang="en-US" sz="2400" dirty="0" smtClean="0"/>
+              <a:rPr lang="en-US" altLang="en-US" sz="2400" dirty="0"/>
               <a:t>how to deal with units larger than utterances</a:t>
             </a:r>
           </a:p>
@@ -8189,7 +8136,7 @@
           <a:lstStyle/>
           <a:p>
             <a:r>
-              <a:rPr lang="en-US" altLang="en-US" dirty="0" smtClean="0"/>
+              <a:rPr lang="en-US" altLang="en-US" dirty="0"/>
               <a:t>Finite-state Automata</a:t>
             </a:r>
           </a:p>
@@ -8367,14 +8314,6 @@
   <p:clrMapOvr>
     <a:masterClrMapping/>
   </p:clrMapOvr>
-  <mc:AlternateContent xmlns:mc="http://schemas.openxmlformats.org/markup-compatibility/2006">
-    <mc:Choice xmlns:p14="http://schemas.microsoft.com/office/powerpoint/2010/main" Requires="p14">
-      <p:transition spd="slow" p14:dur="2000"/>
-    </mc:Choice>
-    <mc:Fallback>
-      <p:transition spd="slow"/>
-    </mc:Fallback>
-  </mc:AlternateContent>
   <p:timing>
     <p:tnLst>
       <p:par>
@@ -8577,7 +8516,7 @@
           <a:p>
             <a:pPr eaLnBrk="1" hangingPunct="1"/>
             <a:r>
-              <a:rPr lang="en-US" altLang="en-US" smtClean="0"/>
+              <a:rPr lang="en-US" altLang="en-US"/>
               <a:t>Theoretical Computer Science</a:t>
             </a:r>
           </a:p>
@@ -8607,70 +8546,70 @@
           <a:p>
             <a:pPr eaLnBrk="1" hangingPunct="1"/>
             <a:r>
-              <a:rPr lang="en-US" altLang="en-US" sz="2400" dirty="0" smtClean="0"/>
+              <a:rPr lang="en-US" altLang="en-US" sz="2400" dirty="0"/>
               <a:t>Automata</a:t>
             </a:r>
           </a:p>
           <a:p>
             <a:pPr lvl="1" eaLnBrk="1" hangingPunct="1"/>
             <a:r>
-              <a:rPr lang="en-US" altLang="en-US" sz="2000" dirty="0" smtClean="0"/>
+              <a:rPr lang="en-US" altLang="en-US" sz="2000" dirty="0"/>
               <a:t>Deterministic and non-deterministic finite-state automata</a:t>
             </a:r>
           </a:p>
           <a:p>
             <a:pPr lvl="1" eaLnBrk="1" hangingPunct="1"/>
             <a:r>
-              <a:rPr lang="en-US" altLang="en-US" sz="2000" dirty="0" smtClean="0"/>
+              <a:rPr lang="en-US" altLang="en-US" sz="2000" dirty="0"/>
               <a:t>Push-down automata</a:t>
             </a:r>
           </a:p>
           <a:p>
             <a:pPr eaLnBrk="1" hangingPunct="1"/>
             <a:r>
-              <a:rPr lang="en-US" altLang="en-US" sz="2400" dirty="0" smtClean="0"/>
+              <a:rPr lang="en-US" altLang="en-US" sz="2400" dirty="0"/>
               <a:t>Grammars</a:t>
             </a:r>
           </a:p>
           <a:p>
             <a:pPr lvl="1" eaLnBrk="1" hangingPunct="1"/>
             <a:r>
-              <a:rPr lang="en-US" altLang="en-US" sz="2000" dirty="0" smtClean="0"/>
+              <a:rPr lang="en-US" altLang="en-US" sz="2000" dirty="0"/>
               <a:t>Regular grammars</a:t>
             </a:r>
           </a:p>
           <a:p>
             <a:pPr lvl="1" eaLnBrk="1" hangingPunct="1"/>
             <a:r>
-              <a:rPr lang="en-US" altLang="en-US" sz="2000" dirty="0" smtClean="0"/>
+              <a:rPr lang="en-US" altLang="en-US" sz="2000" dirty="0"/>
               <a:t>Context-free grammars</a:t>
             </a:r>
           </a:p>
           <a:p>
             <a:pPr lvl="1" eaLnBrk="1" hangingPunct="1"/>
             <a:r>
-              <a:rPr lang="en-US" altLang="en-US" sz="2000" dirty="0" smtClean="0"/>
+              <a:rPr lang="en-US" altLang="en-US" sz="2000" dirty="0"/>
               <a:t>Context-sensitive grammars</a:t>
             </a:r>
           </a:p>
           <a:p>
             <a:pPr eaLnBrk="1" hangingPunct="1"/>
             <a:r>
-              <a:rPr lang="en-US" altLang="en-US" sz="2400" dirty="0" smtClean="0"/>
+              <a:rPr lang="en-US" altLang="en-US" sz="2400" dirty="0"/>
               <a:t>Complexity</a:t>
             </a:r>
           </a:p>
           <a:p>
             <a:pPr eaLnBrk="1" hangingPunct="1"/>
             <a:r>
-              <a:rPr lang="en-US" altLang="en-US" sz="2400" dirty="0" smtClean="0"/>
+              <a:rPr lang="en-US" altLang="en-US" sz="2400" dirty="0"/>
               <a:t>Algorithms</a:t>
             </a:r>
           </a:p>
           <a:p>
             <a:pPr lvl="1" eaLnBrk="1" hangingPunct="1"/>
             <a:r>
-              <a:rPr lang="en-US" altLang="en-US" sz="2000" dirty="0" smtClean="0"/>
+              <a:rPr lang="en-US" altLang="en-US" sz="2000" dirty="0"/>
               <a:t>Dynamic programming</a:t>
             </a:r>
           </a:p>
@@ -9246,7 +9185,7 @@
           <a:p>
             <a:pPr eaLnBrk="1" hangingPunct="1"/>
             <a:r>
-              <a:rPr lang="en-US" altLang="en-US" smtClean="0"/>
+              <a:rPr lang="en-US" altLang="en-US"/>
               <a:t>Artificial Intelligence</a:t>
             </a:r>
           </a:p>
@@ -9280,7 +9219,7 @@
               </a:lnSpc>
             </a:pPr>
             <a:r>
-              <a:rPr lang="en-US" altLang="en-US" dirty="0" smtClean="0"/>
+              <a:rPr lang="en-US" altLang="en-US" dirty="0"/>
               <a:t>Logic</a:t>
             </a:r>
           </a:p>
@@ -9291,7 +9230,7 @@
               </a:lnSpc>
             </a:pPr>
             <a:r>
-              <a:rPr lang="en-US" altLang="en-US" dirty="0" smtClean="0"/>
+              <a:rPr lang="en-US" altLang="en-US" dirty="0"/>
               <a:t>First-order logic</a:t>
             </a:r>
           </a:p>
@@ -9302,7 +9241,7 @@
               </a:lnSpc>
             </a:pPr>
             <a:r>
-              <a:rPr lang="en-US" altLang="en-US" dirty="0" smtClean="0"/>
+              <a:rPr lang="en-US" altLang="en-US" dirty="0"/>
               <a:t>Agents</a:t>
             </a:r>
           </a:p>
@@ -9313,7 +9252,7 @@
               </a:lnSpc>
             </a:pPr>
             <a:r>
-              <a:rPr lang="en-US" altLang="en-US" dirty="0" smtClean="0"/>
+              <a:rPr lang="en-US" altLang="en-US" dirty="0"/>
               <a:t>Speech acts</a:t>
             </a:r>
           </a:p>
@@ -9324,7 +9263,7 @@
               </a:lnSpc>
             </a:pPr>
             <a:r>
-              <a:rPr lang="en-US" altLang="en-US" dirty="0" smtClean="0"/>
+              <a:rPr lang="en-US" altLang="en-US" dirty="0"/>
               <a:t>Search</a:t>
             </a:r>
           </a:p>
@@ -9335,7 +9274,7 @@
               </a:lnSpc>
             </a:pPr>
             <a:r>
-              <a:rPr lang="en-US" altLang="en-US" dirty="0" smtClean="0"/>
+              <a:rPr lang="en-US" altLang="en-US" dirty="0"/>
               <a:t>Planning</a:t>
             </a:r>
           </a:p>
@@ -9346,7 +9285,7 @@
               </a:lnSpc>
             </a:pPr>
             <a:r>
-              <a:rPr lang="en-US" altLang="en-US" dirty="0" smtClean="0"/>
+              <a:rPr lang="en-US" altLang="en-US" dirty="0"/>
               <a:t>Constraint satisfaction</a:t>
             </a:r>
           </a:p>
@@ -9357,7 +9296,7 @@
               </a:lnSpc>
             </a:pPr>
             <a:r>
-              <a:rPr lang="en-US" altLang="en-US" dirty="0" smtClean="0"/>
+              <a:rPr lang="en-US" altLang="en-US" dirty="0"/>
               <a:t>Machine learning</a:t>
             </a:r>
           </a:p>
@@ -9368,7 +9307,7 @@
               </a:lnSpc>
             </a:pPr>
             <a:r>
-              <a:rPr lang="en-US" altLang="en-US" dirty="0" smtClean="0"/>
+              <a:rPr lang="en-US" altLang="en-US" dirty="0"/>
               <a:t>Neural Networks</a:t>
             </a:r>
           </a:p>
@@ -9379,7 +9318,7 @@
               </a:lnSpc>
             </a:pPr>
             <a:r>
-              <a:rPr lang="en-US" altLang="en-US" dirty="0" smtClean="0"/>
+              <a:rPr lang="en-US" altLang="en-US" dirty="0"/>
               <a:t>Reinforcement Learning</a:t>
             </a:r>
           </a:p>
@@ -9955,7 +9894,7 @@
           <a:p>
             <a:pPr eaLnBrk="1" hangingPunct="1"/>
             <a:r>
-              <a:rPr lang="en-US" altLang="en-US" smtClean="0"/>
+              <a:rPr lang="en-US" altLang="en-US"/>
               <a:t>Mathematics and Statistics</a:t>
             </a:r>
           </a:p>
@@ -9985,69 +9924,69 @@
           <a:p>
             <a:pPr eaLnBrk="1" hangingPunct="1"/>
             <a:r>
-              <a:rPr lang="en-US" altLang="en-US" dirty="0" smtClean="0"/>
+              <a:rPr lang="en-US" altLang="en-US" dirty="0"/>
               <a:t>Statistics</a:t>
             </a:r>
           </a:p>
           <a:p>
             <a:pPr lvl="1"/>
             <a:r>
-              <a:rPr lang="en-US" altLang="en-US" dirty="0" smtClean="0"/>
+              <a:rPr lang="en-US" altLang="en-US" dirty="0"/>
               <a:t>Probabilities</a:t>
             </a:r>
           </a:p>
           <a:p>
             <a:pPr lvl="1"/>
             <a:r>
-              <a:rPr lang="en-US" altLang="en-US" dirty="0" smtClean="0"/>
+              <a:rPr lang="en-US" altLang="en-US" dirty="0"/>
               <a:t>Statistical models</a:t>
             </a:r>
           </a:p>
           <a:p>
             <a:pPr lvl="1"/>
             <a:r>
-              <a:rPr lang="en-US" altLang="en-US" dirty="0" smtClean="0"/>
+              <a:rPr lang="en-US" altLang="en-US" dirty="0"/>
               <a:t>Hypothesis testing</a:t>
             </a:r>
           </a:p>
           <a:p>
             <a:pPr eaLnBrk="1" hangingPunct="1"/>
             <a:r>
-              <a:rPr lang="en-US" altLang="en-US" dirty="0" smtClean="0"/>
+              <a:rPr lang="en-US" altLang="en-US" dirty="0"/>
               <a:t>Mathematics</a:t>
             </a:r>
           </a:p>
           <a:p>
             <a:pPr lvl="1"/>
             <a:r>
-              <a:rPr lang="en-US" altLang="en-US" dirty="0" smtClean="0"/>
+              <a:rPr lang="en-US" altLang="en-US" dirty="0"/>
               <a:t>Linear algebra (e.g., vectors)</a:t>
             </a:r>
           </a:p>
           <a:p>
             <a:pPr lvl="1"/>
             <a:r>
-              <a:rPr lang="en-US" altLang="en-US" dirty="0" smtClean="0"/>
+              <a:rPr lang="en-US" altLang="en-US" dirty="0"/>
               <a:t>Multivariate calculus (e.g., gradients)</a:t>
             </a:r>
           </a:p>
           <a:p>
             <a:pPr lvl="1"/>
             <a:r>
-              <a:rPr lang="en-US" altLang="en-US" dirty="0" smtClean="0"/>
+              <a:rPr lang="en-US" altLang="en-US" dirty="0"/>
               <a:t>Optimization</a:t>
             </a:r>
           </a:p>
           <a:p>
             <a:pPr lvl="1"/>
             <a:r>
-              <a:rPr lang="en-US" altLang="en-US" dirty="0" smtClean="0"/>
+              <a:rPr lang="en-US" altLang="en-US" dirty="0"/>
               <a:t>Numerical methods</a:t>
             </a:r>
           </a:p>
           <a:p>
             <a:pPr eaLnBrk="1" hangingPunct="1"/>
-            <a:endParaRPr lang="en-US" altLang="en-US" dirty="0" smtClean="0"/>
+            <a:endParaRPr lang="en-US" altLang="en-US" dirty="0"/>
           </a:p>
         </p:txBody>
       </p:sp>
@@ -10451,7 +10390,7 @@
           <a:p>
             <a:pPr eaLnBrk="1" hangingPunct="1"/>
             <a:r>
-              <a:rPr lang="en-US" altLang="en-US" sz="3200" dirty="0" smtClean="0"/>
+              <a:rPr lang="en-US" altLang="en-US" sz="3200" dirty="0"/>
               <a:t>Mathematical and Computational Tools</a:t>
             </a:r>
           </a:p>
@@ -10492,66 +10431,41 @@
           </a:p>
           <a:p>
             <a:r>
-              <a:rPr lang="en-US" dirty="0" smtClean="0"/>
-              <a:t>Context-free </a:t>
-            </a:r>
-            <a:r>
               <a:rPr lang="en-US" dirty="0"/>
-              <a:t>grammars (</a:t>
-            </a:r>
-            <a:r>
-              <a:rPr lang="en-US" dirty="0" smtClean="0"/>
-              <a:t>CFG)</a:t>
+              <a:t>Context-free grammars (CFG)</a:t>
             </a:r>
           </a:p>
           <a:p>
             <a:pPr lvl="1"/>
             <a:r>
-              <a:rPr lang="en-US" dirty="0" smtClean="0"/>
-              <a:t>for </a:t>
-            </a:r>
-            <a:r>
               <a:rPr lang="en-US" dirty="0"/>
-              <a:t>trees</a:t>
+              <a:t>for trees</a:t>
             </a:r>
           </a:p>
           <a:p>
             <a:r>
               <a:rPr lang="en-US" dirty="0"/>
-              <a:t>Hidden Markov Models (</a:t>
-            </a:r>
-            <a:r>
-              <a:rPr lang="en-US" dirty="0" smtClean="0"/>
-              <a:t>HMM)</a:t>
+              <a:t>Hidden Markov Models (HMM)</a:t>
             </a:r>
           </a:p>
           <a:p>
             <a:pPr lvl="1"/>
             <a:r>
-              <a:rPr lang="en-US" dirty="0" smtClean="0"/>
-              <a:t>for </a:t>
-            </a:r>
-            <a:r>
               <a:rPr lang="en-US" dirty="0"/>
-              <a:t>sequences</a:t>
-            </a:r>
-          </a:p>
-          <a:p>
-            <a:r>
-              <a:rPr lang="en-US" dirty="0" smtClean="0"/>
-              <a:t>Conditional </a:t>
-            </a:r>
+              <a:t>for sequences</a:t>
+            </a:r>
+          </a:p>
+          <a:p>
             <a:r>
               <a:rPr lang="en-US" dirty="0"/>
-              <a:t>Random Fields (CRF)</a:t>
-            </a:r>
-          </a:p>
-          <a:p>
-            <a:r>
-              <a:rPr lang="en-US" dirty="0" smtClean="0"/>
+              <a:t>Conditional Random Fields (CRF)</a:t>
+            </a:r>
+          </a:p>
+          <a:p>
+            <a:r>
+              <a:rPr lang="en-US" dirty="0"/>
               <a:t>Optimization</a:t>
             </a:r>
-            <a:endParaRPr lang="en-US" dirty="0"/>
           </a:p>
         </p:txBody>
       </p:sp>
@@ -10565,14 +10479,6 @@
   <p:clrMapOvr>
     <a:masterClrMapping/>
   </p:clrMapOvr>
-  <mc:AlternateContent xmlns:mc="http://schemas.openxmlformats.org/markup-compatibility/2006" xmlns:p14="http://schemas.microsoft.com/office/powerpoint/2010/main">
-    <mc:Choice Requires="p14">
-      <p:transition spd="slow" p14:dur="2000"/>
-    </mc:Choice>
-    <mc:Fallback xmlns="">
-      <p:transition spd="slow"/>
-    </mc:Fallback>
-  </mc:AlternateContent>
   <p:timing>
     <p:tnLst>
       <p:par>
